--- a/project-presentation.pptx
+++ b/project-presentation.pptx
@@ -19812,39 +19812,6 @@
           </a:p>
         </p:txBody>
       </p:sp>
-      <p:sp>
-        <p:nvSpPr>
-          <p:cNvPr id="3" name="Content Placeholder 2">
-            <a:extLst>
-              <a:ext uri="{FF2B5EF4-FFF2-40B4-BE49-F238E27FC236}">
-                <a16:creationId xmlns:a16="http://schemas.microsoft.com/office/drawing/2014/main" id="{65ADB5E6-B409-4DC6-A6BD-4CDB7349C1DD}"/>
-              </a:ext>
-            </a:extLst>
-          </p:cNvPr>
-          <p:cNvSpPr>
-            <a:spLocks noGrp="1"/>
-          </p:cNvSpPr>
-          <p:nvPr>
-            <p:ph sz="half" idx="1"/>
-          </p:nvPr>
-        </p:nvSpPr>
-        <p:spPr>
-          <a:xfrm>
-            <a:off x="432000" y="1008000"/>
-            <a:ext cx="4208239" cy="360000"/>
-          </a:xfrm>
-        </p:spPr>
-        <p:txBody>
-          <a:bodyPr/>
-          <a:lstStyle/>
-          <a:p>
-            <a:r>
-              <a:rPr lang="en-US" dirty="0"/>
-              <a:t>There is an opportunity for success</a:t>
-            </a:r>
-          </a:p>
-        </p:txBody>
-      </p:sp>
       <p:pic>
         <p:nvPicPr>
           <p:cNvPr id="38" name="Graphic 37" descr="Mathematics">
@@ -19991,7 +19958,7 @@
         </p:blipFill>
         <p:spPr>
           <a:xfrm>
-            <a:off x="8051155" y="5418353"/>
+            <a:off x="8126968" y="5343098"/>
             <a:ext cx="962986" cy="962986"/>
           </a:xfrm>
           <a:prstGeom prst="rect">
@@ -23119,6 +23086,19 @@
                 </a:solidFill>
               </a:rPr>
               <a:t>Add new form for user to select &amp; submit attributes of prospects who aren’t in the dataset to predict cross-sale potential</a:t>
+            </a:r>
+          </a:p>
+          <a:p>
+            <a:r>
+              <a:rPr lang="en-US" sz="2400" dirty="0">
+                <a:solidFill>
+                  <a:schemeClr val="tx1">
+                    <a:lumMod val="75000"/>
+                    <a:lumOff val="25000"/>
+                  </a:schemeClr>
+                </a:solidFill>
+              </a:rPr>
+              <a:t>Automate the selection of customer ID when customer dials in</a:t>
             </a:r>
           </a:p>
         </p:txBody>
@@ -28614,6 +28594,23 @@
 </file>
 
 <file path=customXml/item1.xml><?xml version="1.0" encoding="utf-8"?>
+<p:properties xmlns:p="http://schemas.microsoft.com/office/2006/metadata/properties" xmlns:xsi="http://www.w3.org/2001/XMLSchema-instance" xmlns:pc="http://schemas.microsoft.com/office/infopath/2007/PartnerControls">
+  <documentManagement>
+    <MediaServiceKeyPoints xmlns="71af3243-3dd4-4a8d-8c0d-dd76da1f02a5" xsi:nil="true"/>
+  </documentManagement>
+</p:properties>
+</file>
+
+<file path=customXml/item2.xml><?xml version="1.0" encoding="utf-8"?>
+<?mso-contentType ?>
+<FormTemplates xmlns="http://schemas.microsoft.com/sharepoint/v3/contenttype/forms">
+  <Display>DocumentLibraryForm</Display>
+  <Edit>DocumentLibraryForm</Edit>
+  <New>DocumentLibraryForm</New>
+</FormTemplates>
+</file>
+
+<file path=customXml/item3.xml><?xml version="1.0" encoding="utf-8"?>
 <ct:contentTypeSchema xmlns:ct="http://schemas.microsoft.com/office/2006/metadata/contentType" xmlns:ma="http://schemas.microsoft.com/office/2006/metadata/properties/metaAttributes" ct:_="" ma:_="" ma:contentTypeName="Document" ma:contentTypeID="0x01010079F111ED35F8CC479449609E8A0923A6" ma:contentTypeVersion="11" ma:contentTypeDescription="Create a new document." ma:contentTypeScope="" ma:versionID="9677210f24a1be23c92c90fd886aa0aa">
   <xsd:schema xmlns:xsd="http://www.w3.org/2001/XMLSchema" xmlns:xs="http://www.w3.org/2001/XMLSchema" xmlns:p="http://schemas.microsoft.com/office/2006/metadata/properties" xmlns:ns2="71af3243-3dd4-4a8d-8c0d-dd76da1f02a5" xmlns:ns3="16c05727-aa75-4e4a-9b5f-8a80a1165891" targetNamespace="http://schemas.microsoft.com/office/2006/metadata/properties" ma:root="true" ma:fieldsID="60e05723c5c1908df1a1a4ebf11d344e" ns2:_="" ns3:_="">
     <xsd:import namespace="71af3243-3dd4-4a8d-8c0d-dd76da1f02a5"/>
@@ -28824,24 +28821,25 @@
 </ct:contentTypeSchema>
 </file>
 
-<file path=customXml/item2.xml><?xml version="1.0" encoding="utf-8"?>
-<?mso-contentType ?>
-<FormTemplates xmlns="http://schemas.microsoft.com/sharepoint/v3/contenttype/forms">
-  <Display>DocumentLibraryForm</Display>
-  <Edit>DocumentLibraryForm</Edit>
-  <New>DocumentLibraryForm</New>
-</FormTemplates>
+<file path=customXml/itemProps1.xml><?xml version="1.0" encoding="utf-8"?>
+<ds:datastoreItem xmlns:ds="http://schemas.openxmlformats.org/officeDocument/2006/customXml" ds:itemID="{C9C0BFDF-D948-4F4A-854E-477525F57792}">
+  <ds:schemaRefs>
+    <ds:schemaRef ds:uri="http://schemas.microsoft.com/office/2006/metadata/properties"/>
+    <ds:schemaRef ds:uri="http://schemas.microsoft.com/office/infopath/2007/PartnerControls"/>
+    <ds:schemaRef ds:uri="71af3243-3dd4-4a8d-8c0d-dd76da1f02a5"/>
+  </ds:schemaRefs>
+</ds:datastoreItem>
 </file>
 
-<file path=customXml/item3.xml><?xml version="1.0" encoding="utf-8"?>
-<p:properties xmlns:p="http://schemas.microsoft.com/office/2006/metadata/properties" xmlns:xsi="http://www.w3.org/2001/XMLSchema-instance" xmlns:pc="http://schemas.microsoft.com/office/infopath/2007/PartnerControls">
-  <documentManagement>
-    <MediaServiceKeyPoints xmlns="71af3243-3dd4-4a8d-8c0d-dd76da1f02a5" xsi:nil="true"/>
-  </documentManagement>
-</p:properties>
+<file path=customXml/itemProps2.xml><?xml version="1.0" encoding="utf-8"?>
+<ds:datastoreItem xmlns:ds="http://schemas.openxmlformats.org/officeDocument/2006/customXml" ds:itemID="{56E3E58C-5E8A-4781-9921-C2B23BC09EB2}">
+  <ds:schemaRefs>
+    <ds:schemaRef ds:uri="http://schemas.microsoft.com/sharepoint/v3/contenttype/forms"/>
+  </ds:schemaRefs>
+</ds:datastoreItem>
 </file>
 
-<file path=customXml/itemProps1.xml><?xml version="1.0" encoding="utf-8"?>
+<file path=customXml/itemProps3.xml><?xml version="1.0" encoding="utf-8"?>
 <ds:datastoreItem xmlns:ds="http://schemas.openxmlformats.org/officeDocument/2006/customXml" ds:itemID="{513094F6-5ADD-4195-AF81-00AF033C96A1}">
   <ds:schemaRefs>
     <ds:schemaRef ds:uri="http://schemas.microsoft.com/office/2006/metadata/contentType"/>
@@ -28858,22 +28856,4 @@
     <ds:schemaRef ds:uri="http://schemas.microsoft.com/internal/obd"/>
   </ds:schemaRefs>
 </ds:datastoreItem>
-</file>
-
-<file path=customXml/itemProps2.xml><?xml version="1.0" encoding="utf-8"?>
-<ds:datastoreItem xmlns:ds="http://schemas.openxmlformats.org/officeDocument/2006/customXml" ds:itemID="{56E3E58C-5E8A-4781-9921-C2B23BC09EB2}">
-  <ds:schemaRefs>
-    <ds:schemaRef ds:uri="http://schemas.microsoft.com/sharepoint/v3/contenttype/forms"/>
-  </ds:schemaRefs>
-</ds:datastoreItem>
-</file>
-
-<file path=customXml/itemProps3.xml><?xml version="1.0" encoding="utf-8"?>
-<ds:datastoreItem xmlns:ds="http://schemas.openxmlformats.org/officeDocument/2006/customXml" ds:itemID="{C9C0BFDF-D948-4F4A-854E-477525F57792}">
-  <ds:schemaRefs>
-    <ds:schemaRef ds:uri="http://schemas.microsoft.com/office/2006/metadata/properties"/>
-    <ds:schemaRef ds:uri="http://schemas.microsoft.com/office/infopath/2007/PartnerControls"/>
-    <ds:schemaRef ds:uri="71af3243-3dd4-4a8d-8c0d-dd76da1f02a5"/>
-  </ds:schemaRefs>
-</ds:datastoreItem>
 </file>
--- a/project-presentation.pptx
+++ b/project-presentation.pptx
@@ -17985,7 +17985,14 @@
             <a:br>
               <a:rPr lang="en-US" sz="1800" dirty="0"/>
             </a:br>
-            <a:endParaRPr lang="en-US" sz="1800" dirty="0"/>
+            <a:r>
+              <a:rPr lang="en-US" sz="1800" dirty="0" err="1"/>
+              <a:t>Keiyau</a:t>
+            </a:r>
+            <a:r>
+              <a:rPr lang="en-US" sz="1800" dirty="0"/>
+              <a:t> Sin</a:t>
+            </a:r>
           </a:p>
           <a:p>
             <a:r>
@@ -17996,234 +18003,6 @@
               <a:rPr lang="en-US" sz="1800" dirty="0"/>
             </a:br>
             <a:endParaRPr lang="en-US" sz="1800" dirty="0"/>
-          </a:p>
-        </p:txBody>
-      </p:sp>
-      <p:sp>
-        <p:nvSpPr>
-          <p:cNvPr id="8" name="Subtitle 2">
-            <a:extLst>
-              <a:ext uri="{FF2B5EF4-FFF2-40B4-BE49-F238E27FC236}">
-                <a16:creationId xmlns:a16="http://schemas.microsoft.com/office/drawing/2014/main" id="{74EBFE55-4893-47DF-B36C-099AB3ED49AF}"/>
-              </a:ext>
-            </a:extLst>
-          </p:cNvPr>
-          <p:cNvSpPr txBox="1">
-            <a:spLocks/>
-          </p:cNvSpPr>
-          <p:nvPr/>
-        </p:nvSpPr>
-        <p:spPr bwMode="gray">
-          <a:xfrm>
-            <a:off x="9179244" y="5057176"/>
-            <a:ext cx="1831655" cy="759415"/>
-          </a:xfrm>
-          <a:prstGeom prst="rect">
-            <a:avLst/>
-          </a:prstGeom>
-        </p:spPr>
-        <p:txBody>
-          <a:bodyPr vert="horz" lIns="0" tIns="0" rIns="0" bIns="0" rtlCol="0">
-            <a:noAutofit/>
-          </a:bodyPr>
-          <a:lstStyle>
-            <a:lvl1pPr marL="0" indent="0" algn="l" defTabSz="914400" rtl="0" eaLnBrk="1" latinLnBrk="0" hangingPunct="1">
-              <a:lnSpc>
-                <a:spcPct val="100000"/>
-              </a:lnSpc>
-              <a:spcBef>
-                <a:spcPts val="1000"/>
-              </a:spcBef>
-              <a:spcAft>
-                <a:spcPts val="500"/>
-              </a:spcAft>
-              <a:buClr>
-                <a:schemeClr val="accent1"/>
-              </a:buClr>
-              <a:buFont typeface="Arial" panose="020B0604020202020204" pitchFamily="34" charset="0"/>
-              <a:buNone/>
-              <a:defRPr sz="2400" kern="1200">
-                <a:solidFill>
-                  <a:schemeClr val="bg1"/>
-                </a:solidFill>
-                <a:latin typeface="+mn-lt"/>
-                <a:ea typeface="+mn-ea"/>
-                <a:cs typeface="+mn-cs"/>
-              </a:defRPr>
-            </a:lvl1pPr>
-            <a:lvl2pPr marL="457200" indent="0" algn="ctr" defTabSz="914400" rtl="0" eaLnBrk="1" latinLnBrk="0" hangingPunct="1">
-              <a:lnSpc>
-                <a:spcPct val="100000"/>
-              </a:lnSpc>
-              <a:spcBef>
-                <a:spcPts val="500"/>
-              </a:spcBef>
-              <a:spcAft>
-                <a:spcPts val="500"/>
-              </a:spcAft>
-              <a:buFont typeface="Arial" panose="020B0604020202020204" pitchFamily="34" charset="0"/>
-              <a:buNone/>
-              <a:defRPr sz="2000" kern="1200">
-                <a:solidFill>
-                  <a:schemeClr val="tx2"/>
-                </a:solidFill>
-                <a:latin typeface="+mn-lt"/>
-                <a:ea typeface="+mn-ea"/>
-                <a:cs typeface="+mn-cs"/>
-              </a:defRPr>
-            </a:lvl2pPr>
-            <a:lvl3pPr marL="914400" indent="0" algn="ctr" defTabSz="914400" rtl="0" eaLnBrk="1" latinLnBrk="0" hangingPunct="1">
-              <a:lnSpc>
-                <a:spcPct val="100000"/>
-              </a:lnSpc>
-              <a:spcBef>
-                <a:spcPts val="500"/>
-              </a:spcBef>
-              <a:spcAft>
-                <a:spcPts val="500"/>
-              </a:spcAft>
-              <a:buFont typeface="Arial" panose="020B0604020202020204" pitchFamily="34" charset="0"/>
-              <a:buNone/>
-              <a:defRPr sz="1800" kern="1200">
-                <a:solidFill>
-                  <a:schemeClr val="tx2"/>
-                </a:solidFill>
-                <a:latin typeface="+mn-lt"/>
-                <a:ea typeface="+mn-ea"/>
-                <a:cs typeface="+mn-cs"/>
-              </a:defRPr>
-            </a:lvl3pPr>
-            <a:lvl4pPr marL="1371600" indent="0" algn="ctr" defTabSz="914400" rtl="0" eaLnBrk="1" latinLnBrk="0" hangingPunct="1">
-              <a:lnSpc>
-                <a:spcPct val="100000"/>
-              </a:lnSpc>
-              <a:spcBef>
-                <a:spcPts val="500"/>
-              </a:spcBef>
-              <a:spcAft>
-                <a:spcPts val="500"/>
-              </a:spcAft>
-              <a:buFont typeface="Arial" panose="020B0604020202020204" pitchFamily="34" charset="0"/>
-              <a:buNone/>
-              <a:defRPr sz="1600" kern="1200">
-                <a:solidFill>
-                  <a:schemeClr val="tx2"/>
-                </a:solidFill>
-                <a:latin typeface="+mn-lt"/>
-                <a:ea typeface="+mn-ea"/>
-                <a:cs typeface="+mn-cs"/>
-              </a:defRPr>
-            </a:lvl4pPr>
-            <a:lvl5pPr marL="1828800" indent="0" algn="ctr" defTabSz="914400" rtl="0" eaLnBrk="1" latinLnBrk="0" hangingPunct="1">
-              <a:lnSpc>
-                <a:spcPct val="100000"/>
-              </a:lnSpc>
-              <a:spcBef>
-                <a:spcPts val="500"/>
-              </a:spcBef>
-              <a:spcAft>
-                <a:spcPts val="500"/>
-              </a:spcAft>
-              <a:buFont typeface="Arial" panose="020B0604020202020204" pitchFamily="34" charset="0"/>
-              <a:buNone/>
-              <a:defRPr sz="1600" kern="1200">
-                <a:solidFill>
-                  <a:schemeClr val="tx2"/>
-                </a:solidFill>
-                <a:latin typeface="+mn-lt"/>
-                <a:ea typeface="+mn-ea"/>
-                <a:cs typeface="+mn-cs"/>
-              </a:defRPr>
-            </a:lvl5pPr>
-            <a:lvl6pPr marL="2286000" indent="0" algn="ctr" defTabSz="914400" rtl="0" eaLnBrk="1" latinLnBrk="0" hangingPunct="1">
-              <a:lnSpc>
-                <a:spcPct val="90000"/>
-              </a:lnSpc>
-              <a:spcBef>
-                <a:spcPts val="500"/>
-              </a:spcBef>
-              <a:buFont typeface="Arial" panose="020B0604020202020204" pitchFamily="34" charset="0"/>
-              <a:buNone/>
-              <a:defRPr sz="1600" kern="1200">
-                <a:solidFill>
-                  <a:schemeClr val="tx1"/>
-                </a:solidFill>
-                <a:latin typeface="+mn-lt"/>
-                <a:ea typeface="+mn-ea"/>
-                <a:cs typeface="+mn-cs"/>
-              </a:defRPr>
-            </a:lvl6pPr>
-            <a:lvl7pPr marL="2743200" indent="0" algn="ctr" defTabSz="914400" rtl="0" eaLnBrk="1" latinLnBrk="0" hangingPunct="1">
-              <a:lnSpc>
-                <a:spcPct val="90000"/>
-              </a:lnSpc>
-              <a:spcBef>
-                <a:spcPts val="500"/>
-              </a:spcBef>
-              <a:buFont typeface="Arial" panose="020B0604020202020204" pitchFamily="34" charset="0"/>
-              <a:buNone/>
-              <a:defRPr sz="1600" kern="1200">
-                <a:solidFill>
-                  <a:schemeClr val="tx1"/>
-                </a:solidFill>
-                <a:latin typeface="+mn-lt"/>
-                <a:ea typeface="+mn-ea"/>
-                <a:cs typeface="+mn-cs"/>
-              </a:defRPr>
-            </a:lvl7pPr>
-            <a:lvl8pPr marL="3200400" indent="0" algn="ctr" defTabSz="914400" rtl="0" eaLnBrk="1" latinLnBrk="0" hangingPunct="1">
-              <a:lnSpc>
-                <a:spcPct val="90000"/>
-              </a:lnSpc>
-              <a:spcBef>
-                <a:spcPts val="500"/>
-              </a:spcBef>
-              <a:buFont typeface="Arial" panose="020B0604020202020204" pitchFamily="34" charset="0"/>
-              <a:buNone/>
-              <a:defRPr sz="1600" kern="1200">
-                <a:solidFill>
-                  <a:schemeClr val="tx1"/>
-                </a:solidFill>
-                <a:latin typeface="+mn-lt"/>
-                <a:ea typeface="+mn-ea"/>
-                <a:cs typeface="+mn-cs"/>
-              </a:defRPr>
-            </a:lvl8pPr>
-            <a:lvl9pPr marL="3657600" indent="0" algn="ctr" defTabSz="914400" rtl="0" eaLnBrk="1" latinLnBrk="0" hangingPunct="1">
-              <a:lnSpc>
-                <a:spcPct val="90000"/>
-              </a:lnSpc>
-              <a:spcBef>
-                <a:spcPts val="500"/>
-              </a:spcBef>
-              <a:buFont typeface="Arial" panose="020B0604020202020204" pitchFamily="34" charset="0"/>
-              <a:buNone/>
-              <a:defRPr sz="1600" kern="1200">
-                <a:solidFill>
-                  <a:schemeClr val="tx1"/>
-                </a:solidFill>
-                <a:latin typeface="+mn-lt"/>
-                <a:ea typeface="+mn-ea"/>
-                <a:cs typeface="+mn-cs"/>
-              </a:defRPr>
-            </a:lvl9pPr>
-          </a:lstStyle>
-          <a:p>
-            <a:r>
-              <a:rPr lang="en-US" sz="1800" dirty="0" err="1"/>
-              <a:t>Keiyau</a:t>
-            </a:r>
-            <a:r>
-              <a:rPr lang="en-US" sz="1800" dirty="0"/>
-              <a:t> Sin</a:t>
-            </a:r>
-            <a:br>
-              <a:rPr lang="en-US" sz="1800" dirty="0"/>
-            </a:br>
-            <a:r>
-              <a:rPr lang="en-US" sz="1800" dirty="0"/>
-              <a:t>Shriram Sreedhar</a:t>
-            </a:r>
           </a:p>
         </p:txBody>
       </p:sp>
@@ -28594,23 +28373,6 @@
 </file>
 
 <file path=customXml/item1.xml><?xml version="1.0" encoding="utf-8"?>
-<p:properties xmlns:p="http://schemas.microsoft.com/office/2006/metadata/properties" xmlns:xsi="http://www.w3.org/2001/XMLSchema-instance" xmlns:pc="http://schemas.microsoft.com/office/infopath/2007/PartnerControls">
-  <documentManagement>
-    <MediaServiceKeyPoints xmlns="71af3243-3dd4-4a8d-8c0d-dd76da1f02a5" xsi:nil="true"/>
-  </documentManagement>
-</p:properties>
-</file>
-
-<file path=customXml/item2.xml><?xml version="1.0" encoding="utf-8"?>
-<?mso-contentType ?>
-<FormTemplates xmlns="http://schemas.microsoft.com/sharepoint/v3/contenttype/forms">
-  <Display>DocumentLibraryForm</Display>
-  <Edit>DocumentLibraryForm</Edit>
-  <New>DocumentLibraryForm</New>
-</FormTemplates>
-</file>
-
-<file path=customXml/item3.xml><?xml version="1.0" encoding="utf-8"?>
 <ct:contentTypeSchema xmlns:ct="http://schemas.microsoft.com/office/2006/metadata/contentType" xmlns:ma="http://schemas.microsoft.com/office/2006/metadata/properties/metaAttributes" ct:_="" ma:_="" ma:contentTypeName="Document" ma:contentTypeID="0x01010079F111ED35F8CC479449609E8A0923A6" ma:contentTypeVersion="11" ma:contentTypeDescription="Create a new document." ma:contentTypeScope="" ma:versionID="9677210f24a1be23c92c90fd886aa0aa">
   <xsd:schema xmlns:xsd="http://www.w3.org/2001/XMLSchema" xmlns:xs="http://www.w3.org/2001/XMLSchema" xmlns:p="http://schemas.microsoft.com/office/2006/metadata/properties" xmlns:ns2="71af3243-3dd4-4a8d-8c0d-dd76da1f02a5" xmlns:ns3="16c05727-aa75-4e4a-9b5f-8a80a1165891" targetNamespace="http://schemas.microsoft.com/office/2006/metadata/properties" ma:root="true" ma:fieldsID="60e05723c5c1908df1a1a4ebf11d344e" ns2:_="" ns3:_="">
     <xsd:import namespace="71af3243-3dd4-4a8d-8c0d-dd76da1f02a5"/>
@@ -28821,25 +28583,24 @@
 </ct:contentTypeSchema>
 </file>
 
-<file path=customXml/itemProps1.xml><?xml version="1.0" encoding="utf-8"?>
-<ds:datastoreItem xmlns:ds="http://schemas.openxmlformats.org/officeDocument/2006/customXml" ds:itemID="{C9C0BFDF-D948-4F4A-854E-477525F57792}">
-  <ds:schemaRefs>
-    <ds:schemaRef ds:uri="http://schemas.microsoft.com/office/2006/metadata/properties"/>
-    <ds:schemaRef ds:uri="http://schemas.microsoft.com/office/infopath/2007/PartnerControls"/>
-    <ds:schemaRef ds:uri="71af3243-3dd4-4a8d-8c0d-dd76da1f02a5"/>
-  </ds:schemaRefs>
-</ds:datastoreItem>
+<file path=customXml/item2.xml><?xml version="1.0" encoding="utf-8"?>
+<?mso-contentType ?>
+<FormTemplates xmlns="http://schemas.microsoft.com/sharepoint/v3/contenttype/forms">
+  <Display>DocumentLibraryForm</Display>
+  <Edit>DocumentLibraryForm</Edit>
+  <New>DocumentLibraryForm</New>
+</FormTemplates>
 </file>
 
-<file path=customXml/itemProps2.xml><?xml version="1.0" encoding="utf-8"?>
-<ds:datastoreItem xmlns:ds="http://schemas.openxmlformats.org/officeDocument/2006/customXml" ds:itemID="{56E3E58C-5E8A-4781-9921-C2B23BC09EB2}">
-  <ds:schemaRefs>
-    <ds:schemaRef ds:uri="http://schemas.microsoft.com/sharepoint/v3/contenttype/forms"/>
-  </ds:schemaRefs>
-</ds:datastoreItem>
+<file path=customXml/item3.xml><?xml version="1.0" encoding="utf-8"?>
+<p:properties xmlns:p="http://schemas.microsoft.com/office/2006/metadata/properties" xmlns:xsi="http://www.w3.org/2001/XMLSchema-instance" xmlns:pc="http://schemas.microsoft.com/office/infopath/2007/PartnerControls">
+  <documentManagement>
+    <MediaServiceKeyPoints xmlns="71af3243-3dd4-4a8d-8c0d-dd76da1f02a5" xsi:nil="true"/>
+  </documentManagement>
+</p:properties>
 </file>
 
-<file path=customXml/itemProps3.xml><?xml version="1.0" encoding="utf-8"?>
+<file path=customXml/itemProps1.xml><?xml version="1.0" encoding="utf-8"?>
 <ds:datastoreItem xmlns:ds="http://schemas.openxmlformats.org/officeDocument/2006/customXml" ds:itemID="{513094F6-5ADD-4195-AF81-00AF033C96A1}">
   <ds:schemaRefs>
     <ds:schemaRef ds:uri="http://schemas.microsoft.com/office/2006/metadata/contentType"/>
@@ -28856,4 +28617,22 @@
     <ds:schemaRef ds:uri="http://schemas.microsoft.com/internal/obd"/>
   </ds:schemaRefs>
 </ds:datastoreItem>
+</file>
+
+<file path=customXml/itemProps2.xml><?xml version="1.0" encoding="utf-8"?>
+<ds:datastoreItem xmlns:ds="http://schemas.openxmlformats.org/officeDocument/2006/customXml" ds:itemID="{56E3E58C-5E8A-4781-9921-C2B23BC09EB2}">
+  <ds:schemaRefs>
+    <ds:schemaRef ds:uri="http://schemas.microsoft.com/sharepoint/v3/contenttype/forms"/>
+  </ds:schemaRefs>
+</ds:datastoreItem>
+</file>
+
+<file path=customXml/itemProps3.xml><?xml version="1.0" encoding="utf-8"?>
+<ds:datastoreItem xmlns:ds="http://schemas.openxmlformats.org/officeDocument/2006/customXml" ds:itemID="{C9C0BFDF-D948-4F4A-854E-477525F57792}">
+  <ds:schemaRefs>
+    <ds:schemaRef ds:uri="http://schemas.microsoft.com/office/2006/metadata/properties"/>
+    <ds:schemaRef ds:uri="http://schemas.microsoft.com/office/infopath/2007/PartnerControls"/>
+    <ds:schemaRef ds:uri="71af3243-3dd4-4a8d-8c0d-dd76da1f02a5"/>
+  </ds:schemaRefs>
+</ds:datastoreItem>
 </file>
--- a/project-presentation.pptx
+++ b/project-presentation.pptx
@@ -236,7 +236,7 @@
           <a:p>
             <a:fld id="{0DD51EFA-6533-45C3-8394-23FFC04F750D}" type="datetimeFigureOut">
               <a:rPr lang="en-US" smtClean="0"/>
-              <a:t>11/13/2020</a:t>
+              <a:t>11/14/2020</a:t>
             </a:fld>
             <a:endParaRPr lang="en-US" dirty="0"/>
           </a:p>
@@ -413,7 +413,7 @@
           <a:p>
             <a:fld id="{B7B4C180-10CF-422C-B717-65F1B78C7EB7}" type="datetimeFigureOut">
               <a:rPr lang="en-US" noProof="0" smtClean="0"/>
-              <a:t>11/13/2020</a:t>
+              <a:t>11/14/2020</a:t>
             </a:fld>
             <a:endParaRPr lang="en-US" noProof="0" dirty="0"/>
           </a:p>
@@ -22830,7 +22830,7 @@
           </a:lstStyle>
           <a:p>
             <a:r>
-              <a:rPr lang="en-US" sz="2400" dirty="0">
+              <a:rPr lang="en-US" sz="2000" dirty="0">
                 <a:solidFill>
                   <a:schemeClr val="tx1">
                     <a:lumMod val="75000"/>
@@ -22838,12 +22838,12 @@
                   </a:schemeClr>
                 </a:solidFill>
               </a:rPr>
-              <a:t>Use oversampling to address the problem of few positive responses in original dataset</a:t>
-            </a:r>
-          </a:p>
-          <a:p>
-            <a:r>
-              <a:rPr lang="en-US" sz="2400" dirty="0">
+              <a:t>Apply oversampling onto the dataset to increase the number of interested customers in order to address the issue of few positive responses in original dataset.</a:t>
+            </a:r>
+          </a:p>
+          <a:p>
+            <a:r>
+              <a:rPr lang="en-US" sz="2000" dirty="0">
                 <a:solidFill>
                   <a:schemeClr val="tx1">
                     <a:lumMod val="75000"/>
@@ -22851,12 +22851,12 @@
                   </a:schemeClr>
                 </a:solidFill>
               </a:rPr>
-              <a:t>Research better &amp; faster ways to load large dataset into web app</a:t>
-            </a:r>
-          </a:p>
-          <a:p>
-            <a:r>
-              <a:rPr lang="en-US" sz="2400" dirty="0">
+              <a:t>Experiment with model results to achieve a 90-95% accuracy level.</a:t>
+            </a:r>
+          </a:p>
+          <a:p>
+            <a:r>
+              <a:rPr lang="en-US" sz="2000" dirty="0">
                 <a:solidFill>
                   <a:schemeClr val="tx1">
                     <a:lumMod val="75000"/>
@@ -22864,12 +22864,12 @@
                   </a:schemeClr>
                 </a:solidFill>
               </a:rPr>
-              <a:t>Add new form for user to select &amp; submit attributes of prospects who aren’t in the dataset to predict cross-sale potential</a:t>
-            </a:r>
-          </a:p>
-          <a:p>
-            <a:r>
-              <a:rPr lang="en-US" sz="2400" dirty="0">
+              <a:t>Experiment with using less customer attributes to identify interested and non-interested customers.</a:t>
+            </a:r>
+          </a:p>
+          <a:p>
+            <a:r>
+              <a:rPr lang="en-US" sz="2000" dirty="0">
                 <a:solidFill>
                   <a:schemeClr val="tx1">
                     <a:lumMod val="75000"/>
@@ -22877,7 +22877,33 @@
                   </a:schemeClr>
                 </a:solidFill>
               </a:rPr>
+              <a:t>Apply a different method to load large datasets into web apps.</a:t>
+            </a:r>
+          </a:p>
+          <a:p>
+            <a:r>
+              <a:rPr lang="en-US" sz="2000" dirty="0">
+                <a:solidFill>
+                  <a:schemeClr val="tx1">
+                    <a:lumMod val="75000"/>
+                    <a:lumOff val="25000"/>
+                  </a:schemeClr>
+                </a:solidFill>
+              </a:rPr>
               <a:t>Automate the selection of customer ID when customer dials in</a:t>
+            </a:r>
+          </a:p>
+          <a:p>
+            <a:r>
+              <a:rPr lang="en-US" sz="2000">
+                <a:solidFill>
+                  <a:schemeClr val="tx1">
+                    <a:lumMod val="75000"/>
+                    <a:lumOff val="25000"/>
+                  </a:schemeClr>
+                </a:solidFill>
+              </a:rPr>
+              <a:t>Make available a form entry method for users to select and submit different attributes to predict cross sale potential.</a:t>
             </a:r>
           </a:p>
         </p:txBody>
@@ -28373,6 +28399,23 @@
 </file>
 
 <file path=customXml/item1.xml><?xml version="1.0" encoding="utf-8"?>
+<p:properties xmlns:p="http://schemas.microsoft.com/office/2006/metadata/properties" xmlns:xsi="http://www.w3.org/2001/XMLSchema-instance" xmlns:pc="http://schemas.microsoft.com/office/infopath/2007/PartnerControls">
+  <documentManagement>
+    <MediaServiceKeyPoints xmlns="71af3243-3dd4-4a8d-8c0d-dd76da1f02a5" xsi:nil="true"/>
+  </documentManagement>
+</p:properties>
+</file>
+
+<file path=customXml/item2.xml><?xml version="1.0" encoding="utf-8"?>
+<?mso-contentType ?>
+<FormTemplates xmlns="http://schemas.microsoft.com/sharepoint/v3/contenttype/forms">
+  <Display>DocumentLibraryForm</Display>
+  <Edit>DocumentLibraryForm</Edit>
+  <New>DocumentLibraryForm</New>
+</FormTemplates>
+</file>
+
+<file path=customXml/item3.xml><?xml version="1.0" encoding="utf-8"?>
 <ct:contentTypeSchema xmlns:ct="http://schemas.microsoft.com/office/2006/metadata/contentType" xmlns:ma="http://schemas.microsoft.com/office/2006/metadata/properties/metaAttributes" ct:_="" ma:_="" ma:contentTypeName="Document" ma:contentTypeID="0x01010079F111ED35F8CC479449609E8A0923A6" ma:contentTypeVersion="11" ma:contentTypeDescription="Create a new document." ma:contentTypeScope="" ma:versionID="9677210f24a1be23c92c90fd886aa0aa">
   <xsd:schema xmlns:xsd="http://www.w3.org/2001/XMLSchema" xmlns:xs="http://www.w3.org/2001/XMLSchema" xmlns:p="http://schemas.microsoft.com/office/2006/metadata/properties" xmlns:ns2="71af3243-3dd4-4a8d-8c0d-dd76da1f02a5" xmlns:ns3="16c05727-aa75-4e4a-9b5f-8a80a1165891" targetNamespace="http://schemas.microsoft.com/office/2006/metadata/properties" ma:root="true" ma:fieldsID="60e05723c5c1908df1a1a4ebf11d344e" ns2:_="" ns3:_="">
     <xsd:import namespace="71af3243-3dd4-4a8d-8c0d-dd76da1f02a5"/>
@@ -28583,24 +28626,25 @@
 </ct:contentTypeSchema>
 </file>
 
-<file path=customXml/item2.xml><?xml version="1.0" encoding="utf-8"?>
-<?mso-contentType ?>
-<FormTemplates xmlns="http://schemas.microsoft.com/sharepoint/v3/contenttype/forms">
-  <Display>DocumentLibraryForm</Display>
-  <Edit>DocumentLibraryForm</Edit>
-  <New>DocumentLibraryForm</New>
-</FormTemplates>
+<file path=customXml/itemProps1.xml><?xml version="1.0" encoding="utf-8"?>
+<ds:datastoreItem xmlns:ds="http://schemas.openxmlformats.org/officeDocument/2006/customXml" ds:itemID="{C9C0BFDF-D948-4F4A-854E-477525F57792}">
+  <ds:schemaRefs>
+    <ds:schemaRef ds:uri="http://schemas.microsoft.com/office/2006/metadata/properties"/>
+    <ds:schemaRef ds:uri="http://schemas.microsoft.com/office/infopath/2007/PartnerControls"/>
+    <ds:schemaRef ds:uri="71af3243-3dd4-4a8d-8c0d-dd76da1f02a5"/>
+  </ds:schemaRefs>
+</ds:datastoreItem>
 </file>
 
-<file path=customXml/item3.xml><?xml version="1.0" encoding="utf-8"?>
-<p:properties xmlns:p="http://schemas.microsoft.com/office/2006/metadata/properties" xmlns:xsi="http://www.w3.org/2001/XMLSchema-instance" xmlns:pc="http://schemas.microsoft.com/office/infopath/2007/PartnerControls">
-  <documentManagement>
-    <MediaServiceKeyPoints xmlns="71af3243-3dd4-4a8d-8c0d-dd76da1f02a5" xsi:nil="true"/>
-  </documentManagement>
-</p:properties>
+<file path=customXml/itemProps2.xml><?xml version="1.0" encoding="utf-8"?>
+<ds:datastoreItem xmlns:ds="http://schemas.openxmlformats.org/officeDocument/2006/customXml" ds:itemID="{56E3E58C-5E8A-4781-9921-C2B23BC09EB2}">
+  <ds:schemaRefs>
+    <ds:schemaRef ds:uri="http://schemas.microsoft.com/sharepoint/v3/contenttype/forms"/>
+  </ds:schemaRefs>
+</ds:datastoreItem>
 </file>
 
-<file path=customXml/itemProps1.xml><?xml version="1.0" encoding="utf-8"?>
+<file path=customXml/itemProps3.xml><?xml version="1.0" encoding="utf-8"?>
 <ds:datastoreItem xmlns:ds="http://schemas.openxmlformats.org/officeDocument/2006/customXml" ds:itemID="{513094F6-5ADD-4195-AF81-00AF033C96A1}">
   <ds:schemaRefs>
     <ds:schemaRef ds:uri="http://schemas.microsoft.com/office/2006/metadata/contentType"/>
@@ -28617,22 +28661,4 @@
     <ds:schemaRef ds:uri="http://schemas.microsoft.com/internal/obd"/>
   </ds:schemaRefs>
 </ds:datastoreItem>
-</file>
-
-<file path=customXml/itemProps2.xml><?xml version="1.0" encoding="utf-8"?>
-<ds:datastoreItem xmlns:ds="http://schemas.openxmlformats.org/officeDocument/2006/customXml" ds:itemID="{56E3E58C-5E8A-4781-9921-C2B23BC09EB2}">
-  <ds:schemaRefs>
-    <ds:schemaRef ds:uri="http://schemas.microsoft.com/sharepoint/v3/contenttype/forms"/>
-  </ds:schemaRefs>
-</ds:datastoreItem>
-</file>
-
-<file path=customXml/itemProps3.xml><?xml version="1.0" encoding="utf-8"?>
-<ds:datastoreItem xmlns:ds="http://schemas.openxmlformats.org/officeDocument/2006/customXml" ds:itemID="{C9C0BFDF-D948-4F4A-854E-477525F57792}">
-  <ds:schemaRefs>
-    <ds:schemaRef ds:uri="http://schemas.microsoft.com/office/2006/metadata/properties"/>
-    <ds:schemaRef ds:uri="http://schemas.microsoft.com/office/infopath/2007/PartnerControls"/>
-    <ds:schemaRef ds:uri="71af3243-3dd4-4a8d-8c0d-dd76da1f02a5"/>
-  </ds:schemaRefs>
-</ds:datastoreItem>
 </file>
--- a/project-presentation.pptx
+++ b/project-presentation.pptx
@@ -25374,41 +25374,6 @@
           </a:p>
         </p:txBody>
       </p:sp>
-      <p:pic>
-        <p:nvPicPr>
-          <p:cNvPr id="8" name="Picture 7" descr="Chart, bar chart&#10;&#10;Description automatically generated">
-            <a:extLst>
-              <a:ext uri="{FF2B5EF4-FFF2-40B4-BE49-F238E27FC236}">
-                <a16:creationId xmlns:a16="http://schemas.microsoft.com/office/drawing/2014/main" id="{EC66F690-2858-4300-BFC2-B9F81ADA27D1}"/>
-              </a:ext>
-            </a:extLst>
-          </p:cNvPr>
-          <p:cNvPicPr>
-            <a:picLocks noChangeAspect="1"/>
-          </p:cNvPicPr>
-          <p:nvPr/>
-        </p:nvPicPr>
-        <p:blipFill rotWithShape="1">
-          <a:blip r:embed="rId3">
-            <a:extLst>
-              <a:ext uri="{28A0092B-C50C-407E-A947-70E740481C1C}">
-                <a14:useLocalDpi xmlns:a14="http://schemas.microsoft.com/office/drawing/2010/main" val="0"/>
-              </a:ext>
-            </a:extLst>
-          </a:blip>
-          <a:srcRect t="8980" r="7082" b="2848"/>
-          <a:stretch/>
-        </p:blipFill>
-        <p:spPr>
-          <a:xfrm>
-            <a:off x="2433922" y="2859060"/>
-            <a:ext cx="7158942" cy="3396597"/>
-          </a:xfrm>
-          <a:prstGeom prst="rect">
-            <a:avLst/>
-          </a:prstGeom>
-        </p:spPr>
-      </p:pic>
       <p:sp>
         <p:nvSpPr>
           <p:cNvPr id="27" name="Content Placeholder 14">
@@ -25425,7 +25390,7 @@
         </p:nvSpPr>
         <p:spPr>
           <a:xfrm>
-            <a:off x="420687" y="1014838"/>
+            <a:off x="432000" y="961232"/>
             <a:ext cx="11185412" cy="1858991"/>
           </a:xfrm>
           <a:prstGeom prst="rect">
@@ -25667,6 +25632,42 @@
           </a:p>
         </p:txBody>
       </p:sp>
+      <p:pic>
+        <p:nvPicPr>
+          <p:cNvPr id="3" name="Picture 2" descr="Chart&#10;&#10;Description automatically generated">
+            <a:extLst>
+              <a:ext uri="{FF2B5EF4-FFF2-40B4-BE49-F238E27FC236}">
+                <a16:creationId xmlns:a16="http://schemas.microsoft.com/office/drawing/2014/main" id="{38C0C4D5-AB7A-4262-99BB-2EF261AD777C}"/>
+              </a:ext>
+            </a:extLst>
+          </p:cNvPr>
+          <p:cNvPicPr>
+            <a:picLocks noChangeAspect="1"/>
+          </p:cNvPicPr>
+          <p:nvPr/>
+        </p:nvPicPr>
+        <p:blipFill>
+          <a:blip r:embed="rId3">
+            <a:extLst>
+              <a:ext uri="{28A0092B-C50C-407E-A947-70E740481C1C}">
+                <a14:useLocalDpi xmlns:a14="http://schemas.microsoft.com/office/drawing/2010/main" val="0"/>
+              </a:ext>
+            </a:extLst>
+          </a:blip>
+          <a:stretch>
+            <a:fillRect/>
+          </a:stretch>
+        </p:blipFill>
+        <p:spPr>
+          <a:xfrm>
+            <a:off x="2532307" y="2820223"/>
+            <a:ext cx="6962172" cy="3481086"/>
+          </a:xfrm>
+          <a:prstGeom prst="rect">
+            <a:avLst/>
+          </a:prstGeom>
+        </p:spPr>
+      </p:pic>
     </p:spTree>
     <p:extLst>
       <p:ext uri="{BB962C8B-B14F-4D97-AF65-F5344CB8AC3E}">
@@ -26017,10 +26018,46 @@
       </p:pic>
       <p:pic>
         <p:nvPicPr>
-          <p:cNvPr id="12" name="Picture 11" descr="Chart&#10;&#10;Description automatically generated">
-            <a:extLst>
-              <a:ext uri="{FF2B5EF4-FFF2-40B4-BE49-F238E27FC236}">
-                <a16:creationId xmlns:a16="http://schemas.microsoft.com/office/drawing/2014/main" id="{C29CB65F-1D6B-470E-A812-4ECE4DAA271C}"/>
+          <p:cNvPr id="16" name="Picture 15" descr="Chart, bar chart&#10;&#10;Description automatically generated">
+            <a:extLst>
+              <a:ext uri="{FF2B5EF4-FFF2-40B4-BE49-F238E27FC236}">
+                <a16:creationId xmlns:a16="http://schemas.microsoft.com/office/drawing/2014/main" id="{DD4D9801-4667-485C-963E-54603F66F07E}"/>
+              </a:ext>
+            </a:extLst>
+          </p:cNvPr>
+          <p:cNvPicPr>
+            <a:picLocks noChangeAspect="1"/>
+          </p:cNvPicPr>
+          <p:nvPr/>
+        </p:nvPicPr>
+        <p:blipFill>
+          <a:blip r:embed="rId3">
+            <a:extLst>
+              <a:ext uri="{28A0092B-C50C-407E-A947-70E740481C1C}">
+                <a14:useLocalDpi xmlns:a14="http://schemas.microsoft.com/office/drawing/2010/main" val="0"/>
+              </a:ext>
+            </a:extLst>
+          </a:blip>
+          <a:stretch>
+            <a:fillRect/>
+          </a:stretch>
+        </p:blipFill>
+        <p:spPr>
+          <a:xfrm>
+            <a:off x="609600" y="1385008"/>
+            <a:ext cx="5486400" cy="2743200"/>
+          </a:xfrm>
+          <a:prstGeom prst="rect">
+            <a:avLst/>
+          </a:prstGeom>
+        </p:spPr>
+      </p:pic>
+      <p:pic>
+        <p:nvPicPr>
+          <p:cNvPr id="3" name="Picture 2" descr="Chart, bar chart&#10;&#10;Description automatically generated">
+            <a:extLst>
+              <a:ext uri="{FF2B5EF4-FFF2-40B4-BE49-F238E27FC236}">
+                <a16:creationId xmlns:a16="http://schemas.microsoft.com/office/drawing/2014/main" id="{A6771980-CB55-4F60-A3AE-C8805DA52B54}"/>
               </a:ext>
             </a:extLst>
           </p:cNvPr>
@@ -26043,8 +26080,8 @@
         </p:blipFill>
         <p:spPr>
           <a:xfrm>
-            <a:off x="6419400" y="4089600"/>
-            <a:ext cx="5029200" cy="2514600"/>
+            <a:off x="6244563" y="1385008"/>
+            <a:ext cx="5331966" cy="2534013"/>
           </a:xfrm>
           <a:prstGeom prst="rect">
             <a:avLst/>
@@ -26053,10 +26090,10 @@
       </p:pic>
       <p:pic>
         <p:nvPicPr>
-          <p:cNvPr id="14" name="Picture 13" descr="Chart, bar chart&#10;&#10;Description automatically generated">
-            <a:extLst>
-              <a:ext uri="{FF2B5EF4-FFF2-40B4-BE49-F238E27FC236}">
-                <a16:creationId xmlns:a16="http://schemas.microsoft.com/office/drawing/2014/main" id="{F22E23C1-AA28-4C8A-96D0-2DA4B6737A48}"/>
+          <p:cNvPr id="5" name="Picture 4" descr="Chart, scatter chart&#10;&#10;Description automatically generated">
+            <a:extLst>
+              <a:ext uri="{FF2B5EF4-FFF2-40B4-BE49-F238E27FC236}">
+                <a16:creationId xmlns:a16="http://schemas.microsoft.com/office/drawing/2014/main" id="{EEA6836E-D116-4A52-9397-553480BA480C}"/>
               </a:ext>
             </a:extLst>
           </p:cNvPr>
@@ -26079,8 +26116,8 @@
         </p:blipFill>
         <p:spPr>
           <a:xfrm>
-            <a:off x="6362951" y="1460700"/>
-            <a:ext cx="5029200" cy="2514600"/>
+            <a:off x="6301923" y="3984172"/>
+            <a:ext cx="5304175" cy="2293925"/>
           </a:xfrm>
           <a:prstGeom prst="rect">
             <a:avLst/>
@@ -26089,46 +26126,10 @@
       </p:pic>
       <p:pic>
         <p:nvPicPr>
-          <p:cNvPr id="16" name="Picture 15" descr="Chart, bar chart&#10;&#10;Description automatically generated">
-            <a:extLst>
-              <a:ext uri="{FF2B5EF4-FFF2-40B4-BE49-F238E27FC236}">
-                <a16:creationId xmlns:a16="http://schemas.microsoft.com/office/drawing/2014/main" id="{DD4D9801-4667-485C-963E-54603F66F07E}"/>
-              </a:ext>
-            </a:extLst>
-          </p:cNvPr>
-          <p:cNvPicPr>
-            <a:picLocks noChangeAspect="1"/>
-          </p:cNvPicPr>
-          <p:nvPr/>
-        </p:nvPicPr>
-        <p:blipFill>
-          <a:blip r:embed="rId3">
-            <a:extLst>
-              <a:ext uri="{28A0092B-C50C-407E-A947-70E740481C1C}">
-                <a14:useLocalDpi xmlns:a14="http://schemas.microsoft.com/office/drawing/2010/main" val="0"/>
-              </a:ext>
-            </a:extLst>
-          </a:blip>
-          <a:stretch>
-            <a:fillRect/>
-          </a:stretch>
-        </p:blipFill>
-        <p:spPr>
-          <a:xfrm>
-            <a:off x="648619" y="1346400"/>
-            <a:ext cx="5486400" cy="2743200"/>
-          </a:xfrm>
-          <a:prstGeom prst="rect">
-            <a:avLst/>
-          </a:prstGeom>
-        </p:spPr>
-      </p:pic>
-      <p:pic>
-        <p:nvPicPr>
-          <p:cNvPr id="17" name="Picture 16" descr="Chart, bar chart&#10;&#10;Description automatically generated">
-            <a:extLst>
-              <a:ext uri="{FF2B5EF4-FFF2-40B4-BE49-F238E27FC236}">
-                <a16:creationId xmlns:a16="http://schemas.microsoft.com/office/drawing/2014/main" id="{DAA2A336-681E-4471-B342-41432CC3422A}"/>
+          <p:cNvPr id="6" name="Picture 5" descr="Chart&#10;&#10;Description automatically generated">
+            <a:extLst>
+              <a:ext uri="{FF2B5EF4-FFF2-40B4-BE49-F238E27FC236}">
+                <a16:creationId xmlns:a16="http://schemas.microsoft.com/office/drawing/2014/main" id="{AD5AC601-2295-4EF0-A90C-0C40194A5C0F}"/>
               </a:ext>
             </a:extLst>
           </p:cNvPr>
@@ -26151,8 +26152,8 @@
         </p:blipFill>
         <p:spPr>
           <a:xfrm>
-            <a:off x="609600" y="3919021"/>
-            <a:ext cx="5486400" cy="2743200"/>
+            <a:off x="720969" y="3919021"/>
+            <a:ext cx="5455627" cy="2331191"/>
           </a:xfrm>
           <a:prstGeom prst="rect">
             <a:avLst/>
@@ -26264,7 +26265,7 @@
         <p:spPr>
           <a:xfrm>
             <a:off x="420687" y="1014838"/>
-            <a:ext cx="11185412" cy="1858991"/>
+            <a:ext cx="4160191" cy="5193044"/>
           </a:xfrm>
           <a:prstGeom prst="rect">
             <a:avLst/>
@@ -26510,6 +26511,65 @@
               </a:rPr>
               <a:t>attributes</a:t>
             </a:r>
+          </a:p>
+          <a:p>
+            <a:r>
+              <a:rPr lang="en-US" sz="2400" dirty="0">
+                <a:solidFill>
+                  <a:schemeClr val="tx1">
+                    <a:lumMod val="75000"/>
+                    <a:lumOff val="25000"/>
+                  </a:schemeClr>
+                </a:solidFill>
+              </a:rPr>
+              <a:t>Vehicle Age has the most relation to “Response”</a:t>
+            </a:r>
+          </a:p>
+          <a:p>
+            <a:r>
+              <a:rPr lang="en-US" sz="2400" dirty="0">
+                <a:solidFill>
+                  <a:schemeClr val="tx1">
+                    <a:lumMod val="75000"/>
+                    <a:lumOff val="25000"/>
+                  </a:schemeClr>
+                </a:solidFill>
+              </a:rPr>
+              <a:t>Strongest positive correlation is between age and car age</a:t>
+            </a:r>
+          </a:p>
+          <a:p>
+            <a:r>
+              <a:rPr lang="en-US" sz="2400" dirty="0">
+                <a:solidFill>
+                  <a:schemeClr val="tx1">
+                    <a:lumMod val="75000"/>
+                    <a:lumOff val="25000"/>
+                  </a:schemeClr>
+                </a:solidFill>
+              </a:rPr>
+              <a:t>Strongest negative relation is between car damage and previously insured </a:t>
+            </a:r>
+          </a:p>
+          <a:p>
+            <a:endParaRPr lang="en-US" sz="2400" dirty="0">
+              <a:solidFill>
+                <a:schemeClr val="tx1">
+                  <a:lumMod val="75000"/>
+                  <a:lumOff val="25000"/>
+                </a:schemeClr>
+              </a:solidFill>
+            </a:endParaRPr>
+          </a:p>
+          <a:p>
+            <a:endParaRPr lang="en-US" sz="2400" dirty="0">
+              <a:solidFill>
+                <a:schemeClr val="tx1">
+                  <a:lumMod val="75000"/>
+                  <a:lumOff val="25000"/>
+                </a:schemeClr>
+              </a:solidFill>
+            </a:endParaRPr>
           </a:p>
         </p:txBody>
       </p:sp>
@@ -28399,20 +28459,20 @@
 </file>
 
 <file path=customXml/item1.xml><?xml version="1.0" encoding="utf-8"?>
-<p:properties xmlns:p="http://schemas.microsoft.com/office/2006/metadata/properties" xmlns:xsi="http://www.w3.org/2001/XMLSchema-instance" xmlns:pc="http://schemas.microsoft.com/office/infopath/2007/PartnerControls">
-  <documentManagement>
-    <MediaServiceKeyPoints xmlns="71af3243-3dd4-4a8d-8c0d-dd76da1f02a5" xsi:nil="true"/>
-  </documentManagement>
-</p:properties>
-</file>
-
-<file path=customXml/item2.xml><?xml version="1.0" encoding="utf-8"?>
 <?mso-contentType ?>
 <FormTemplates xmlns="http://schemas.microsoft.com/sharepoint/v3/contenttype/forms">
   <Display>DocumentLibraryForm</Display>
   <Edit>DocumentLibraryForm</Edit>
   <New>DocumentLibraryForm</New>
 </FormTemplates>
+</file>
+
+<file path=customXml/item2.xml><?xml version="1.0" encoding="utf-8"?>
+<p:properties xmlns:p="http://schemas.microsoft.com/office/2006/metadata/properties" xmlns:xsi="http://www.w3.org/2001/XMLSchema-instance" xmlns:pc="http://schemas.microsoft.com/office/infopath/2007/PartnerControls">
+  <documentManagement>
+    <MediaServiceKeyPoints xmlns="71af3243-3dd4-4a8d-8c0d-dd76da1f02a5" xsi:nil="true"/>
+  </documentManagement>
+</p:properties>
 </file>
 
 <file path=customXml/item3.xml><?xml version="1.0" encoding="utf-8"?>
@@ -28627,19 +28687,19 @@
 </file>
 
 <file path=customXml/itemProps1.xml><?xml version="1.0" encoding="utf-8"?>
+<ds:datastoreItem xmlns:ds="http://schemas.openxmlformats.org/officeDocument/2006/customXml" ds:itemID="{56E3E58C-5E8A-4781-9921-C2B23BC09EB2}">
+  <ds:schemaRefs>
+    <ds:schemaRef ds:uri="http://schemas.microsoft.com/sharepoint/v3/contenttype/forms"/>
+  </ds:schemaRefs>
+</ds:datastoreItem>
+</file>
+
+<file path=customXml/itemProps2.xml><?xml version="1.0" encoding="utf-8"?>
 <ds:datastoreItem xmlns:ds="http://schemas.openxmlformats.org/officeDocument/2006/customXml" ds:itemID="{C9C0BFDF-D948-4F4A-854E-477525F57792}">
   <ds:schemaRefs>
     <ds:schemaRef ds:uri="http://schemas.microsoft.com/office/2006/metadata/properties"/>
     <ds:schemaRef ds:uri="http://schemas.microsoft.com/office/infopath/2007/PartnerControls"/>
     <ds:schemaRef ds:uri="71af3243-3dd4-4a8d-8c0d-dd76da1f02a5"/>
-  </ds:schemaRefs>
-</ds:datastoreItem>
-</file>
-
-<file path=customXml/itemProps2.xml><?xml version="1.0" encoding="utf-8"?>
-<ds:datastoreItem xmlns:ds="http://schemas.openxmlformats.org/officeDocument/2006/customXml" ds:itemID="{56E3E58C-5E8A-4781-9921-C2B23BC09EB2}">
-  <ds:schemaRefs>
-    <ds:schemaRef ds:uri="http://schemas.microsoft.com/sharepoint/v3/contenttype/forms"/>
   </ds:schemaRefs>
 </ds:datastoreItem>
 </file>

--- a/project-presentation.pptx
+++ b/project-presentation.pptx
@@ -26522,7 +26522,7 @@
                   </a:schemeClr>
                 </a:solidFill>
               </a:rPr>
-              <a:t>Vehicle Age has the most relation to “Response”</a:t>
+              <a:t>Vehicle Damage has the most relation to “Response”</a:t>
             </a:r>
           </a:p>
           <a:p>
@@ -28459,20 +28459,20 @@
 </file>
 
 <file path=customXml/item1.xml><?xml version="1.0" encoding="utf-8"?>
+<p:properties xmlns:p="http://schemas.microsoft.com/office/2006/metadata/properties" xmlns:xsi="http://www.w3.org/2001/XMLSchema-instance" xmlns:pc="http://schemas.microsoft.com/office/infopath/2007/PartnerControls">
+  <documentManagement>
+    <MediaServiceKeyPoints xmlns="71af3243-3dd4-4a8d-8c0d-dd76da1f02a5" xsi:nil="true"/>
+  </documentManagement>
+</p:properties>
+</file>
+
+<file path=customXml/item2.xml><?xml version="1.0" encoding="utf-8"?>
 <?mso-contentType ?>
 <FormTemplates xmlns="http://schemas.microsoft.com/sharepoint/v3/contenttype/forms">
   <Display>DocumentLibraryForm</Display>
   <Edit>DocumentLibraryForm</Edit>
   <New>DocumentLibraryForm</New>
 </FormTemplates>
-</file>
-
-<file path=customXml/item2.xml><?xml version="1.0" encoding="utf-8"?>
-<p:properties xmlns:p="http://schemas.microsoft.com/office/2006/metadata/properties" xmlns:xsi="http://www.w3.org/2001/XMLSchema-instance" xmlns:pc="http://schemas.microsoft.com/office/infopath/2007/PartnerControls">
-  <documentManagement>
-    <MediaServiceKeyPoints xmlns="71af3243-3dd4-4a8d-8c0d-dd76da1f02a5" xsi:nil="true"/>
-  </documentManagement>
-</p:properties>
 </file>
 
 <file path=customXml/item3.xml><?xml version="1.0" encoding="utf-8"?>
@@ -28687,19 +28687,19 @@
 </file>
 
 <file path=customXml/itemProps1.xml><?xml version="1.0" encoding="utf-8"?>
-<ds:datastoreItem xmlns:ds="http://schemas.openxmlformats.org/officeDocument/2006/customXml" ds:itemID="{56E3E58C-5E8A-4781-9921-C2B23BC09EB2}">
+<ds:datastoreItem xmlns:ds="http://schemas.openxmlformats.org/officeDocument/2006/customXml" ds:itemID="{C9C0BFDF-D948-4F4A-854E-477525F57792}">
   <ds:schemaRefs>
-    <ds:schemaRef ds:uri="http://schemas.microsoft.com/sharepoint/v3/contenttype/forms"/>
+    <ds:schemaRef ds:uri="http://schemas.microsoft.com/office/2006/metadata/properties"/>
+    <ds:schemaRef ds:uri="http://schemas.microsoft.com/office/infopath/2007/PartnerControls"/>
+    <ds:schemaRef ds:uri="71af3243-3dd4-4a8d-8c0d-dd76da1f02a5"/>
   </ds:schemaRefs>
 </ds:datastoreItem>
 </file>
 
 <file path=customXml/itemProps2.xml><?xml version="1.0" encoding="utf-8"?>
-<ds:datastoreItem xmlns:ds="http://schemas.openxmlformats.org/officeDocument/2006/customXml" ds:itemID="{C9C0BFDF-D948-4F4A-854E-477525F57792}">
+<ds:datastoreItem xmlns:ds="http://schemas.openxmlformats.org/officeDocument/2006/customXml" ds:itemID="{56E3E58C-5E8A-4781-9921-C2B23BC09EB2}">
   <ds:schemaRefs>
-    <ds:schemaRef ds:uri="http://schemas.microsoft.com/office/2006/metadata/properties"/>
-    <ds:schemaRef ds:uri="http://schemas.microsoft.com/office/infopath/2007/PartnerControls"/>
-    <ds:schemaRef ds:uri="71af3243-3dd4-4a8d-8c0d-dd76da1f02a5"/>
+    <ds:schemaRef ds:uri="http://schemas.microsoft.com/sharepoint/v3/contenttype/forms"/>
   </ds:schemaRefs>
 </ds:datastoreItem>
 </file>
